--- a/喔十字架.pptx
+++ b/喔十字架.pptx
@@ -10,7 +10,7 @@
     <p:sldId id="259" r:id="rId4"/>
     <p:sldId id="260" r:id="rId5"/>
   </p:sldIdLst>
-  <p:sldSz cx="9144000" cy="6858000" type="screen4x3"/>
+  <p:sldSz cx="12192000" cy="6858000"/>
   <p:notesSz cx="6858000" cy="9144000"/>
   <p:defaultTextStyle>
     <a:defPPr>
@@ -107,6 +107,22 @@
       </a:defRPr>
     </a:lvl9pPr>
   </p:defaultTextStyle>
+  <p:extLst>
+    <p:ext uri="{EFAFB233-063F-42B5-8137-9DF3F51BA10A}">
+      <p15:sldGuideLst xmlns:p15="http://schemas.microsoft.com/office/powerpoint/2012/main">
+        <p15:guide id="1" orient="horz" pos="2160" userDrawn="1">
+          <p15:clr>
+            <a:srgbClr val="A4A3A4"/>
+          </p15:clr>
+        </p15:guide>
+        <p15:guide id="2" pos="3840" userDrawn="1">
+          <p15:clr>
+            <a:srgbClr val="A4A3A4"/>
+          </p15:clr>
+        </p15:guide>
+      </p15:sldGuideLst>
+    </p:ext>
+  </p:extLst>
 </p:presentation>
 </file>
 
@@ -139,8 +155,8 @@
         </p:nvSpPr>
         <p:spPr>
           <a:xfrm>
-            <a:off x="685800" y="2130425"/>
-            <a:ext cx="7772400" cy="1470025"/>
+            <a:off x="914400" y="2130426"/>
+            <a:ext cx="10363200" cy="1470025"/>
           </a:xfrm>
         </p:spPr>
         <p:txBody>
@@ -167,8 +183,8 @@
         </p:nvSpPr>
         <p:spPr>
           <a:xfrm>
-            <a:off x="1371600" y="3886200"/>
-            <a:ext cx="6400800" cy="1752600"/>
+            <a:off x="1828800" y="3886200"/>
+            <a:ext cx="8534400" cy="1752600"/>
           </a:xfrm>
         </p:spPr>
         <p:txBody>
@@ -291,7 +307,7 @@
           <a:p>
             <a:fld id="{6B1E525F-909A-4DDE-AED5-C1ADEDABA6E1}" type="datetimeFigureOut">
               <a:rPr lang="zh-TW" altLang="en-US" smtClean="0"/>
-              <a:t>2019/4/28</a:t>
+              <a:t>2020/7/25</a:t>
             </a:fld>
             <a:endParaRPr lang="zh-TW" altLang="en-US"/>
           </a:p>
@@ -456,7 +472,7 @@
           <a:p>
             <a:fld id="{6B1E525F-909A-4DDE-AED5-C1ADEDABA6E1}" type="datetimeFigureOut">
               <a:rPr lang="zh-TW" altLang="en-US" smtClean="0"/>
-              <a:t>2019/4/28</a:t>
+              <a:t>2020/7/25</a:t>
             </a:fld>
             <a:endParaRPr lang="zh-TW" altLang="en-US"/>
           </a:p>
@@ -541,8 +557,8 @@
         </p:nvSpPr>
         <p:spPr>
           <a:xfrm>
-            <a:off x="6629400" y="274638"/>
-            <a:ext cx="2057400" cy="5851525"/>
+            <a:off x="8839200" y="274639"/>
+            <a:ext cx="2743200" cy="5851525"/>
           </a:xfrm>
         </p:spPr>
         <p:txBody>
@@ -569,8 +585,8 @@
         </p:nvSpPr>
         <p:spPr>
           <a:xfrm>
-            <a:off x="457200" y="274638"/>
-            <a:ext cx="6019800" cy="5851525"/>
+            <a:off x="609600" y="274639"/>
+            <a:ext cx="8026400" cy="5851525"/>
           </a:xfrm>
         </p:spPr>
         <p:txBody>
@@ -631,7 +647,7 @@
           <a:p>
             <a:fld id="{6B1E525F-909A-4DDE-AED5-C1ADEDABA6E1}" type="datetimeFigureOut">
               <a:rPr lang="zh-TW" altLang="en-US" smtClean="0"/>
-              <a:t>2019/4/28</a:t>
+              <a:t>2020/7/25</a:t>
             </a:fld>
             <a:endParaRPr lang="zh-TW" altLang="en-US"/>
           </a:p>
@@ -796,7 +812,7 @@
           <a:p>
             <a:fld id="{6B1E525F-909A-4DDE-AED5-C1ADEDABA6E1}" type="datetimeFigureOut">
               <a:rPr lang="zh-TW" altLang="en-US" smtClean="0"/>
-              <a:t>2019/4/28</a:t>
+              <a:t>2020/7/25</a:t>
             </a:fld>
             <a:endParaRPr lang="zh-TW" altLang="en-US"/>
           </a:p>
@@ -881,8 +897,8 @@
         </p:nvSpPr>
         <p:spPr>
           <a:xfrm>
-            <a:off x="722313" y="4406900"/>
-            <a:ext cx="7772400" cy="1362075"/>
+            <a:off x="963084" y="4406901"/>
+            <a:ext cx="10363200" cy="1362075"/>
           </a:xfrm>
         </p:spPr>
         <p:txBody>
@@ -913,8 +929,8 @@
         </p:nvSpPr>
         <p:spPr>
           <a:xfrm>
-            <a:off x="722313" y="2906713"/>
-            <a:ext cx="7772400" cy="1500187"/>
+            <a:off x="963084" y="2906713"/>
+            <a:ext cx="10363200" cy="1500187"/>
           </a:xfrm>
         </p:spPr>
         <p:txBody>
@@ -1037,7 +1053,7 @@
           <a:p>
             <a:fld id="{6B1E525F-909A-4DDE-AED5-C1ADEDABA6E1}" type="datetimeFigureOut">
               <a:rPr lang="zh-TW" altLang="en-US" smtClean="0"/>
-              <a:t>2019/4/28</a:t>
+              <a:t>2020/7/25</a:t>
             </a:fld>
             <a:endParaRPr lang="zh-TW" altLang="en-US"/>
           </a:p>
@@ -1145,8 +1161,8 @@
         </p:nvSpPr>
         <p:spPr>
           <a:xfrm>
-            <a:off x="457200" y="1600200"/>
-            <a:ext cx="4038600" cy="4525963"/>
+            <a:off x="609600" y="1600201"/>
+            <a:ext cx="5384800" cy="4525963"/>
           </a:xfrm>
         </p:spPr>
         <p:txBody>
@@ -1230,8 +1246,8 @@
         </p:nvSpPr>
         <p:spPr>
           <a:xfrm>
-            <a:off x="4648200" y="1600200"/>
-            <a:ext cx="4038600" cy="4525963"/>
+            <a:off x="6197600" y="1600201"/>
+            <a:ext cx="5384800" cy="4525963"/>
           </a:xfrm>
         </p:spPr>
         <p:txBody>
@@ -1320,7 +1336,7 @@
           <a:p>
             <a:fld id="{6B1E525F-909A-4DDE-AED5-C1ADEDABA6E1}" type="datetimeFigureOut">
               <a:rPr lang="zh-TW" altLang="en-US" smtClean="0"/>
-              <a:t>2019/4/28</a:t>
+              <a:t>2020/7/25</a:t>
             </a:fld>
             <a:endParaRPr lang="zh-TW" altLang="en-US"/>
           </a:p>
@@ -1432,8 +1448,8 @@
         </p:nvSpPr>
         <p:spPr>
           <a:xfrm>
-            <a:off x="457200" y="1535113"/>
-            <a:ext cx="4040188" cy="639762"/>
+            <a:off x="609600" y="1535113"/>
+            <a:ext cx="5386917" cy="639762"/>
           </a:xfrm>
         </p:spPr>
         <p:txBody>
@@ -1497,8 +1513,8 @@
         </p:nvSpPr>
         <p:spPr>
           <a:xfrm>
-            <a:off x="457200" y="2174875"/>
-            <a:ext cx="4040188" cy="3951288"/>
+            <a:off x="609600" y="2174875"/>
+            <a:ext cx="5386917" cy="3951288"/>
           </a:xfrm>
         </p:spPr>
         <p:txBody>
@@ -1582,8 +1598,8 @@
         </p:nvSpPr>
         <p:spPr>
           <a:xfrm>
-            <a:off x="4645025" y="1535113"/>
-            <a:ext cx="4041775" cy="639762"/>
+            <a:off x="6193368" y="1535113"/>
+            <a:ext cx="5389033" cy="639762"/>
           </a:xfrm>
         </p:spPr>
         <p:txBody>
@@ -1647,8 +1663,8 @@
         </p:nvSpPr>
         <p:spPr>
           <a:xfrm>
-            <a:off x="4645025" y="2174875"/>
-            <a:ext cx="4041775" cy="3951288"/>
+            <a:off x="6193368" y="2174875"/>
+            <a:ext cx="5389033" cy="3951288"/>
           </a:xfrm>
         </p:spPr>
         <p:txBody>
@@ -1737,7 +1753,7 @@
           <a:p>
             <a:fld id="{6B1E525F-909A-4DDE-AED5-C1ADEDABA6E1}" type="datetimeFigureOut">
               <a:rPr lang="zh-TW" altLang="en-US" smtClean="0"/>
-              <a:t>2019/4/28</a:t>
+              <a:t>2020/7/25</a:t>
             </a:fld>
             <a:endParaRPr lang="zh-TW" altLang="en-US"/>
           </a:p>
@@ -1850,7 +1866,7 @@
           <a:p>
             <a:fld id="{6B1E525F-909A-4DDE-AED5-C1ADEDABA6E1}" type="datetimeFigureOut">
               <a:rPr lang="zh-TW" altLang="en-US" smtClean="0"/>
-              <a:t>2019/4/28</a:t>
+              <a:t>2020/7/25</a:t>
             </a:fld>
             <a:endParaRPr lang="zh-TW" altLang="en-US"/>
           </a:p>
@@ -1940,7 +1956,7 @@
           <a:p>
             <a:fld id="{6B1E525F-909A-4DDE-AED5-C1ADEDABA6E1}" type="datetimeFigureOut">
               <a:rPr lang="zh-TW" altLang="en-US" smtClean="0"/>
-              <a:t>2019/4/28</a:t>
+              <a:t>2020/7/25</a:t>
             </a:fld>
             <a:endParaRPr lang="zh-TW" altLang="en-US"/>
           </a:p>
@@ -2025,8 +2041,8 @@
         </p:nvSpPr>
         <p:spPr>
           <a:xfrm>
-            <a:off x="457200" y="273050"/>
-            <a:ext cx="3008313" cy="1162050"/>
+            <a:off x="609601" y="273050"/>
+            <a:ext cx="4011084" cy="1162050"/>
           </a:xfrm>
         </p:spPr>
         <p:txBody>
@@ -2057,8 +2073,8 @@
         </p:nvSpPr>
         <p:spPr>
           <a:xfrm>
-            <a:off x="3575050" y="273050"/>
-            <a:ext cx="5111750" cy="5853113"/>
+            <a:off x="4766733" y="273051"/>
+            <a:ext cx="6815667" cy="5853113"/>
           </a:xfrm>
         </p:spPr>
         <p:txBody>
@@ -2142,8 +2158,8 @@
         </p:nvSpPr>
         <p:spPr>
           <a:xfrm>
-            <a:off x="457200" y="1435100"/>
-            <a:ext cx="3008313" cy="4691063"/>
+            <a:off x="609601" y="1435101"/>
+            <a:ext cx="4011084" cy="4691063"/>
           </a:xfrm>
         </p:spPr>
         <p:txBody>
@@ -2212,7 +2228,7 @@
           <a:p>
             <a:fld id="{6B1E525F-909A-4DDE-AED5-C1ADEDABA6E1}" type="datetimeFigureOut">
               <a:rPr lang="zh-TW" altLang="en-US" smtClean="0"/>
-              <a:t>2019/4/28</a:t>
+              <a:t>2020/7/25</a:t>
             </a:fld>
             <a:endParaRPr lang="zh-TW" altLang="en-US"/>
           </a:p>
@@ -2297,8 +2313,8 @@
         </p:nvSpPr>
         <p:spPr>
           <a:xfrm>
-            <a:off x="1792288" y="4800600"/>
-            <a:ext cx="5486400" cy="566738"/>
+            <a:off x="2389717" y="4800600"/>
+            <a:ext cx="7315200" cy="566738"/>
           </a:xfrm>
         </p:spPr>
         <p:txBody>
@@ -2329,8 +2345,8 @@
         </p:nvSpPr>
         <p:spPr>
           <a:xfrm>
-            <a:off x="1792288" y="612775"/>
-            <a:ext cx="5486400" cy="4114800"/>
+            <a:off x="2389717" y="612775"/>
+            <a:ext cx="7315200" cy="4114800"/>
           </a:xfrm>
         </p:spPr>
         <p:txBody>
@@ -2394,8 +2410,8 @@
         </p:nvSpPr>
         <p:spPr>
           <a:xfrm>
-            <a:off x="1792288" y="5367338"/>
-            <a:ext cx="5486400" cy="804862"/>
+            <a:off x="2389717" y="5367338"/>
+            <a:ext cx="7315200" cy="804862"/>
           </a:xfrm>
         </p:spPr>
         <p:txBody>
@@ -2464,7 +2480,7 @@
           <a:p>
             <a:fld id="{6B1E525F-909A-4DDE-AED5-C1ADEDABA6E1}" type="datetimeFigureOut">
               <a:rPr lang="zh-TW" altLang="en-US" smtClean="0"/>
-              <a:t>2019/4/28</a:t>
+              <a:t>2020/7/25</a:t>
             </a:fld>
             <a:endParaRPr lang="zh-TW" altLang="en-US"/>
           </a:p>
@@ -2559,8 +2575,8 @@
         </p:nvSpPr>
         <p:spPr>
           <a:xfrm>
-            <a:off x="457200" y="274638"/>
-            <a:ext cx="8229600" cy="1143000"/>
+            <a:off x="609600" y="274638"/>
+            <a:ext cx="10972800" cy="1143000"/>
           </a:xfrm>
           <a:prstGeom prst="rect">
             <a:avLst/>
@@ -2592,8 +2608,8 @@
         </p:nvSpPr>
         <p:spPr>
           <a:xfrm>
-            <a:off x="457200" y="1600200"/>
-            <a:ext cx="8229600" cy="4525963"/>
+            <a:off x="609600" y="1600201"/>
+            <a:ext cx="10972800" cy="4525963"/>
           </a:xfrm>
           <a:prstGeom prst="rect">
             <a:avLst/>
@@ -2654,8 +2670,8 @@
         </p:nvSpPr>
         <p:spPr>
           <a:xfrm>
-            <a:off x="457200" y="6356350"/>
-            <a:ext cx="2133600" cy="365125"/>
+            <a:off x="609600" y="6356351"/>
+            <a:ext cx="2844800" cy="365125"/>
           </a:xfrm>
           <a:prstGeom prst="rect">
             <a:avLst/>
@@ -2677,7 +2693,7 @@
           <a:p>
             <a:fld id="{6B1E525F-909A-4DDE-AED5-C1ADEDABA6E1}" type="datetimeFigureOut">
               <a:rPr lang="zh-TW" altLang="en-US" smtClean="0"/>
-              <a:t>2019/4/28</a:t>
+              <a:t>2020/7/25</a:t>
             </a:fld>
             <a:endParaRPr lang="zh-TW" altLang="en-US"/>
           </a:p>
@@ -2695,8 +2711,8 @@
         </p:nvSpPr>
         <p:spPr>
           <a:xfrm>
-            <a:off x="3124200" y="6356350"/>
-            <a:ext cx="2895600" cy="365125"/>
+            <a:off x="4165600" y="6356351"/>
+            <a:ext cx="3860800" cy="365125"/>
           </a:xfrm>
           <a:prstGeom prst="rect">
             <a:avLst/>
@@ -2732,8 +2748,8 @@
         </p:nvSpPr>
         <p:spPr>
           <a:xfrm>
-            <a:off x="6553200" y="6356350"/>
-            <a:ext cx="2133600" cy="365125"/>
+            <a:off x="8737600" y="6356351"/>
+            <a:ext cx="2844800" cy="365125"/>
           </a:xfrm>
           <a:prstGeom prst="rect">
             <a:avLst/>
@@ -3059,18 +3075,20 @@
         </p:nvSpPr>
         <p:spPr/>
         <p:txBody>
-          <a:bodyPr/>
+          <a:bodyPr>
+            <a:normAutofit/>
+          </a:bodyPr>
           <a:lstStyle/>
           <a:p>
             <a:pPr fontAlgn="base"/>
             <a:r>
-              <a:rPr lang="zh-CN" altLang="en-US" b="1" dirty="0" smtClean="0">
+              <a:rPr lang="zh-CN" altLang="en-US" sz="4800" b="1" dirty="0" smtClean="0">
                 <a:latin typeface="微軟正黑體" pitchFamily="34" charset="-120"/>
                 <a:ea typeface="微軟正黑體" pitchFamily="34" charset="-120"/>
               </a:rPr>
               <a:t>喔  十字架</a:t>
             </a:r>
-            <a:endParaRPr lang="zh-TW" altLang="en-US" b="1" dirty="0">
+            <a:endParaRPr lang="zh-TW" altLang="en-US" sz="4800" b="1" dirty="0">
               <a:latin typeface="微軟正黑體" pitchFamily="34" charset="-120"/>
               <a:ea typeface="微軟正黑體" pitchFamily="34" charset="-120"/>
             </a:endParaRPr>
@@ -3105,41 +3123,11 @@
               <a:t>十字架是我的</a:t>
             </a:r>
             <a:r>
-              <a:rPr lang="zh-TW" altLang="en-US" sz="5400" b="1" dirty="0" smtClean="0">
+              <a:rPr lang="zh-TW" altLang="en-US" sz="5400" b="1" dirty="0">
                 <a:latin typeface="微軟正黑體" pitchFamily="34" charset="-120"/>
                 <a:ea typeface="微軟正黑體" pitchFamily="34" charset="-120"/>
               </a:rPr>
               <a:t>榮耀</a:t>
-            </a:r>
-            <a:endParaRPr lang="en-US" altLang="zh-TW" sz="5400" b="1" dirty="0" smtClean="0">
-              <a:latin typeface="微軟正黑體" pitchFamily="34" charset="-120"/>
-              <a:ea typeface="微軟正黑體" pitchFamily="34" charset="-120"/>
-            </a:endParaRPr>
-          </a:p>
-          <a:p>
-            <a:pPr algn="ctr">
-              <a:buNone/>
-            </a:pPr>
-            <a:r>
-              <a:rPr lang="zh-TW" altLang="en-US" sz="5400" b="1" dirty="0" smtClean="0">
-                <a:latin typeface="微軟正黑體" pitchFamily="34" charset="-120"/>
-                <a:ea typeface="微軟正黑體" pitchFamily="34" charset="-120"/>
-              </a:rPr>
-              <a:t>十字架</a:t>
-            </a:r>
-            <a:r>
-              <a:rPr lang="zh-TW" altLang="en-US" sz="5400" b="1" dirty="0">
-                <a:latin typeface="微軟正黑體" pitchFamily="34" charset="-120"/>
-                <a:ea typeface="微軟正黑體" pitchFamily="34" charset="-120"/>
-              </a:rPr>
-              <a:t>是我的</a:t>
-            </a:r>
-            <a:r>
-              <a:rPr lang="zh-TW" altLang="en-US" sz="5400" b="1" dirty="0" smtClean="0">
-                <a:latin typeface="微軟正黑體" pitchFamily="34" charset="-120"/>
-                <a:ea typeface="微軟正黑體" pitchFamily="34" charset="-120"/>
-              </a:rPr>
-              <a:t>盼望</a:t>
             </a:r>
             <a:endParaRPr lang="en-US" altLang="zh-TW" sz="5400" b="1" dirty="0">
               <a:latin typeface="微軟正黑體" pitchFamily="34" charset="-120"/>
@@ -3151,7 +3139,7 @@
               <a:buNone/>
             </a:pPr>
             <a:r>
-              <a:rPr lang="zh-TW" altLang="en-US" sz="5400" b="1" dirty="0" smtClean="0">
+              <a:rPr lang="zh-TW" altLang="en-US" sz="5400" b="1" dirty="0">
                 <a:latin typeface="微軟正黑體" pitchFamily="34" charset="-120"/>
                 <a:ea typeface="微軟正黑體" pitchFamily="34" charset="-120"/>
               </a:rPr>
@@ -3162,16 +3150,16 @@
                 <a:latin typeface="微軟正黑體" pitchFamily="34" charset="-120"/>
                 <a:ea typeface="微軟正黑體" pitchFamily="34" charset="-120"/>
               </a:rPr>
-              <a:t>使我能面對</a:t>
-            </a:r>
-            <a:r>
-              <a:rPr lang="zh-TW" altLang="en-US" sz="5400" b="1" dirty="0" smtClean="0">
-                <a:latin typeface="微軟正黑體" pitchFamily="34" charset="-120"/>
-                <a:ea typeface="微軟正黑體" pitchFamily="34" charset="-120"/>
-              </a:rPr>
-              <a:t>明天</a:t>
-            </a:r>
-            <a:endParaRPr lang="en-US" altLang="zh-TW" sz="5400" b="1" dirty="0" smtClean="0">
+              <a:t>是我的</a:t>
+            </a:r>
+            <a:r>
+              <a:rPr lang="zh-TW" altLang="en-US" sz="5400" b="1" dirty="0">
+                <a:latin typeface="微軟正黑體" pitchFamily="34" charset="-120"/>
+                <a:ea typeface="微軟正黑體" pitchFamily="34" charset="-120"/>
+              </a:rPr>
+              <a:t>盼望</a:t>
+            </a:r>
+            <a:endParaRPr lang="en-US" altLang="zh-TW" sz="5400" b="1" dirty="0">
               <a:latin typeface="微軟正黑體" pitchFamily="34" charset="-120"/>
               <a:ea typeface="微軟正黑體" pitchFamily="34" charset="-120"/>
             </a:endParaRPr>
@@ -3181,7 +3169,37 @@
               <a:buNone/>
             </a:pPr>
             <a:r>
-              <a:rPr lang="zh-TW" altLang="en-US" sz="5400" b="1" dirty="0" smtClean="0">
+              <a:rPr lang="zh-TW" altLang="en-US" sz="5400" b="1" dirty="0">
+                <a:latin typeface="微軟正黑體" pitchFamily="34" charset="-120"/>
+                <a:ea typeface="微軟正黑體" pitchFamily="34" charset="-120"/>
+              </a:rPr>
+              <a:t>十字架</a:t>
+            </a:r>
+            <a:r>
+              <a:rPr lang="zh-TW" altLang="en-US" sz="5400" b="1" dirty="0">
+                <a:latin typeface="微軟正黑體" pitchFamily="34" charset="-120"/>
+                <a:ea typeface="微軟正黑體" pitchFamily="34" charset="-120"/>
+              </a:rPr>
+              <a:t>使我能面對</a:t>
+            </a:r>
+            <a:r>
+              <a:rPr lang="zh-TW" altLang="en-US" sz="5400" b="1" dirty="0">
+                <a:latin typeface="微軟正黑體" pitchFamily="34" charset="-120"/>
+                <a:ea typeface="微軟正黑體" pitchFamily="34" charset="-120"/>
+              </a:rPr>
+              <a:t>明天</a:t>
+            </a:r>
+            <a:endParaRPr lang="en-US" altLang="zh-TW" sz="5400" b="1" dirty="0">
+              <a:latin typeface="微軟正黑體" pitchFamily="34" charset="-120"/>
+              <a:ea typeface="微軟正黑體" pitchFamily="34" charset="-120"/>
+            </a:endParaRPr>
+          </a:p>
+          <a:p>
+            <a:pPr algn="ctr">
+              <a:buNone/>
+            </a:pPr>
+            <a:r>
+              <a:rPr lang="zh-TW" altLang="en-US" sz="5400" b="1" dirty="0">
                 <a:latin typeface="微軟正黑體" pitchFamily="34" charset="-120"/>
                 <a:ea typeface="微軟正黑體" pitchFamily="34" charset="-120"/>
               </a:rPr>
@@ -3231,18 +3249,20 @@
         </p:nvSpPr>
         <p:spPr/>
         <p:txBody>
-          <a:bodyPr/>
+          <a:bodyPr>
+            <a:normAutofit/>
+          </a:bodyPr>
           <a:lstStyle/>
           <a:p>
             <a:pPr fontAlgn="base"/>
             <a:r>
-              <a:rPr lang="zh-CN" altLang="en-US" b="1" dirty="0" smtClean="0">
+              <a:rPr lang="zh-CN" altLang="en-US" sz="4800" b="1" dirty="0">
                 <a:latin typeface="微軟正黑體" pitchFamily="34" charset="-120"/>
                 <a:ea typeface="微軟正黑體" pitchFamily="34" charset="-120"/>
               </a:rPr>
               <a:t>喔  十字架</a:t>
             </a:r>
-            <a:endParaRPr lang="zh-TW" altLang="en-US" b="1" dirty="0">
+            <a:endParaRPr lang="zh-TW" altLang="en-US" sz="4800" b="1" dirty="0">
               <a:latin typeface="微軟正黑體" pitchFamily="34" charset="-120"/>
               <a:ea typeface="微軟正黑體" pitchFamily="34" charset="-120"/>
             </a:endParaRPr>
@@ -3364,18 +3384,20 @@
         </p:nvSpPr>
         <p:spPr/>
         <p:txBody>
-          <a:bodyPr/>
+          <a:bodyPr>
+            <a:normAutofit/>
+          </a:bodyPr>
           <a:lstStyle/>
           <a:p>
             <a:pPr fontAlgn="base"/>
             <a:r>
-              <a:rPr lang="zh-CN" altLang="en-US" b="1" dirty="0" smtClean="0">
+              <a:rPr lang="zh-CN" altLang="en-US" sz="4800" b="1" dirty="0">
                 <a:latin typeface="微軟正黑體" pitchFamily="34" charset="-120"/>
                 <a:ea typeface="微軟正黑體" pitchFamily="34" charset="-120"/>
               </a:rPr>
               <a:t>喔  十字架</a:t>
             </a:r>
-            <a:endParaRPr lang="zh-TW" altLang="en-US" b="1" dirty="0">
+            <a:endParaRPr lang="zh-TW" altLang="en-US" sz="4800" b="1" dirty="0">
               <a:latin typeface="微軟正黑體" pitchFamily="34" charset="-120"/>
               <a:ea typeface="微軟正黑體" pitchFamily="34" charset="-120"/>
             </a:endParaRPr>
@@ -3394,7 +3416,7 @@
         </p:nvSpPr>
         <p:spPr>
           <a:xfrm>
-            <a:off x="0" y="1600200"/>
+            <a:off x="1524000" y="1600201"/>
             <a:ext cx="9144000" cy="4525963"/>
           </a:xfrm>
         </p:spPr>
@@ -3408,11 +3430,32 @@
               <a:buNone/>
             </a:pPr>
             <a:r>
+              <a:rPr lang="zh-TW" altLang="en-US" sz="5400" b="1" dirty="0" smtClean="0">
+                <a:latin typeface="微軟正黑體" pitchFamily="34" charset="-120"/>
+                <a:ea typeface="微軟正黑體" pitchFamily="34" charset="-120"/>
+              </a:rPr>
+              <a:t>是</a:t>
+            </a:r>
+            <a:r>
+              <a:rPr lang="zh-CN" altLang="en-US" sz="5400" b="1" dirty="0" smtClean="0">
+                <a:latin typeface="微軟正黑體" pitchFamily="34" charset="-120"/>
+                <a:ea typeface="微軟正黑體" pitchFamily="34" charset="-120"/>
+              </a:rPr>
+              <a:t>袮</a:t>
+            </a:r>
+            <a:r>
+              <a:rPr lang="zh-TW" altLang="en-US" sz="5400" b="1" dirty="0" smtClean="0">
+                <a:latin typeface="微軟正黑體" pitchFamily="34" charset="-120"/>
+                <a:ea typeface="微軟正黑體" pitchFamily="34" charset="-120"/>
+              </a:rPr>
+              <a:t>先</a:t>
+            </a:r>
+            <a:r>
               <a:rPr lang="zh-TW" altLang="en-US" sz="5400" b="1" dirty="0">
                 <a:latin typeface="微軟正黑體" pitchFamily="34" charset="-120"/>
                 <a:ea typeface="微軟正黑體" pitchFamily="34" charset="-120"/>
               </a:rPr>
-              <a:t>是你先愛了我  </a:t>
+              <a:t>愛了我  </a:t>
             </a:r>
             <a:endParaRPr lang="en-US" altLang="zh-TW" sz="5400" b="1" dirty="0">
               <a:latin typeface="微軟正黑體" pitchFamily="34" charset="-120"/>
@@ -3428,7 +3471,35 @@
                 <a:latin typeface="微軟正黑體" pitchFamily="34" charset="-120"/>
                 <a:ea typeface="微軟正黑體" pitchFamily="34" charset="-120"/>
               </a:rPr>
-              <a:t>在我愛你之前</a:t>
+              <a:t>在我</a:t>
+            </a:r>
+            <a:r>
+              <a:rPr lang="zh-TW" altLang="en-US" sz="5400" b="1" dirty="0" smtClean="0">
+                <a:latin typeface="微軟正黑體" pitchFamily="34" charset="-120"/>
+                <a:ea typeface="微軟正黑體" pitchFamily="34" charset="-120"/>
+              </a:rPr>
+              <a:t>愛</a:t>
+            </a:r>
+            <a:r>
+              <a:rPr lang="zh-CN" altLang="en-US" sz="5400" b="1" dirty="0">
+                <a:latin typeface="微軟正黑體" pitchFamily="34" charset="-120"/>
+                <a:ea typeface="微軟正黑體" pitchFamily="34" charset="-120"/>
+              </a:rPr>
+              <a:t>袮</a:t>
+            </a:r>
+            <a:r>
+              <a:rPr lang="zh-TW" altLang="en-US" sz="5400" b="1" dirty="0" smtClean="0">
+                <a:latin typeface="微軟正黑體" pitchFamily="34" charset="-120"/>
+                <a:ea typeface="微軟正黑體" pitchFamily="34" charset="-120"/>
+              </a:rPr>
+              <a:t>之</a:t>
+            </a:r>
+            <a:r>
+              <a:rPr lang="zh-TW" altLang="en-US" sz="5400" b="1" dirty="0">
+                <a:latin typeface="微軟正黑體" pitchFamily="34" charset="-120"/>
+                <a:ea typeface="微軟正黑體" pitchFamily="34" charset="-120"/>
+              </a:rPr>
+              <a:t>前</a:t>
             </a:r>
             <a:endParaRPr lang="en-US" altLang="zh-TW" sz="5400" b="1" dirty="0">
               <a:latin typeface="微軟正黑體" pitchFamily="34" charset="-120"/>
@@ -3440,11 +3511,25 @@
               <a:buNone/>
             </a:pPr>
             <a:r>
+              <a:rPr lang="zh-CN" altLang="en-US" sz="5400" b="1" dirty="0">
+                <a:latin typeface="微軟正黑體" pitchFamily="34" charset="-120"/>
+                <a:ea typeface="微軟正黑體" pitchFamily="34" charset="-120"/>
+              </a:rPr>
+              <a:t>袮</a:t>
+            </a:r>
+            <a:r>
+              <a:rPr lang="zh-TW" altLang="en-US" sz="5400" b="1" dirty="0" smtClean="0">
+                <a:latin typeface="微軟正黑體" pitchFamily="34" charset="-120"/>
+                <a:ea typeface="微軟正黑體" pitchFamily="34" charset="-120"/>
+              </a:rPr>
+              <a:t>為</a:t>
+            </a:r>
+            <a:r>
               <a:rPr lang="zh-TW" altLang="en-US" sz="5400" b="1" dirty="0">
                 <a:latin typeface="微軟正黑體" pitchFamily="34" charset="-120"/>
                 <a:ea typeface="微軟正黑體" pitchFamily="34" charset="-120"/>
               </a:rPr>
-              <a:t>你為我死在十架</a:t>
+              <a:t>我死在十架</a:t>
             </a:r>
             <a:endParaRPr lang="en-US" altLang="zh-TW" sz="5400" b="1" dirty="0">
               <a:latin typeface="微軟正黑體" pitchFamily="34" charset="-120"/>
@@ -3460,7 +3545,35 @@
                 <a:latin typeface="微軟正黑體" pitchFamily="34" charset="-120"/>
                 <a:ea typeface="微軟正黑體" pitchFamily="34" charset="-120"/>
               </a:rPr>
-              <a:t>耶穌  耶穌你好愛我</a:t>
+              <a:t>耶穌  耶</a:t>
+            </a:r>
+            <a:r>
+              <a:rPr lang="zh-TW" altLang="en-US" sz="5400" b="1" dirty="0" smtClean="0">
+                <a:latin typeface="微軟正黑體" pitchFamily="34" charset="-120"/>
+                <a:ea typeface="微軟正黑體" pitchFamily="34" charset="-120"/>
+              </a:rPr>
+              <a:t>穌</a:t>
+            </a:r>
+            <a:r>
+              <a:rPr lang="zh-CN" altLang="en-US" sz="5400" b="1" dirty="0">
+                <a:latin typeface="微軟正黑體" pitchFamily="34" charset="-120"/>
+                <a:ea typeface="微軟正黑體" pitchFamily="34" charset="-120"/>
+              </a:rPr>
+              <a:t>袮</a:t>
+            </a:r>
+            <a:r>
+              <a:rPr lang="zh-TW" altLang="en-US" sz="5400" b="1" dirty="0" smtClean="0">
+                <a:latin typeface="微軟正黑體" pitchFamily="34" charset="-120"/>
+                <a:ea typeface="微軟正黑體" pitchFamily="34" charset="-120"/>
+              </a:rPr>
+              <a:t>好</a:t>
+            </a:r>
+            <a:r>
+              <a:rPr lang="zh-TW" altLang="en-US" sz="5400" b="1" dirty="0">
+                <a:latin typeface="微軟正黑體" pitchFamily="34" charset="-120"/>
+                <a:ea typeface="微軟正黑體" pitchFamily="34" charset="-120"/>
+              </a:rPr>
+              <a:t>愛我</a:t>
             </a:r>
             <a:endParaRPr lang="en-US" altLang="zh-TW" sz="5400" b="1" dirty="0">
               <a:latin typeface="微軟正黑體" pitchFamily="34" charset="-120"/>
@@ -3506,18 +3619,20 @@
         </p:nvSpPr>
         <p:spPr/>
         <p:txBody>
-          <a:bodyPr/>
+          <a:bodyPr>
+            <a:normAutofit/>
+          </a:bodyPr>
           <a:lstStyle/>
           <a:p>
             <a:pPr fontAlgn="base"/>
             <a:r>
-              <a:rPr lang="zh-CN" altLang="en-US" b="1" smtClean="0">
+              <a:rPr lang="zh-CN" altLang="en-US" sz="4800" b="1" dirty="0">
                 <a:latin typeface="微軟正黑體" pitchFamily="34" charset="-120"/>
                 <a:ea typeface="微軟正黑體" pitchFamily="34" charset="-120"/>
               </a:rPr>
               <a:t>喔  十字架</a:t>
             </a:r>
-            <a:endParaRPr lang="zh-TW" altLang="en-US" b="1" dirty="0">
+            <a:endParaRPr lang="zh-TW" altLang="en-US" sz="4800" b="1" dirty="0">
               <a:latin typeface="微軟正黑體" pitchFamily="34" charset="-120"/>
               <a:ea typeface="微軟正黑體" pitchFamily="34" charset="-120"/>
             </a:endParaRPr>
@@ -3536,7 +3651,7 @@
         </p:nvSpPr>
         <p:spPr>
           <a:xfrm>
-            <a:off x="0" y="1600200"/>
+            <a:off x="1524000" y="1600201"/>
             <a:ext cx="9144000" cy="4525963"/>
           </a:xfrm>
         </p:spPr>
@@ -3554,7 +3669,35 @@
                 <a:latin typeface="微軟正黑體" pitchFamily="34" charset="-120"/>
                 <a:ea typeface="微軟正黑體" pitchFamily="34" charset="-120"/>
               </a:rPr>
-              <a:t>耶穌你愛我  </a:t>
+              <a:t>耶</a:t>
+            </a:r>
+            <a:r>
+              <a:rPr lang="zh-TW" altLang="en-US" sz="5400" b="1" dirty="0" smtClean="0">
+                <a:latin typeface="微軟正黑體" pitchFamily="34" charset="-120"/>
+                <a:ea typeface="微軟正黑體" pitchFamily="34" charset="-120"/>
+              </a:rPr>
+              <a:t>穌</a:t>
+            </a:r>
+            <a:r>
+              <a:rPr lang="zh-CN" altLang="en-US" sz="5400" b="1" dirty="0">
+                <a:latin typeface="微軟正黑體" pitchFamily="34" charset="-120"/>
+                <a:ea typeface="微軟正黑體" pitchFamily="34" charset="-120"/>
+              </a:rPr>
+              <a:t>袮</a:t>
+            </a:r>
+            <a:r>
+              <a:rPr lang="zh-TW" altLang="en-US" sz="5400" b="1" dirty="0" smtClean="0">
+                <a:latin typeface="微軟正黑體" pitchFamily="34" charset="-120"/>
+                <a:ea typeface="微軟正黑體" pitchFamily="34" charset="-120"/>
+              </a:rPr>
+              <a:t>愛</a:t>
+            </a:r>
+            <a:r>
+              <a:rPr lang="zh-TW" altLang="en-US" sz="5400" b="1" dirty="0">
+                <a:latin typeface="微軟正黑體" pitchFamily="34" charset="-120"/>
+                <a:ea typeface="微軟正黑體" pitchFamily="34" charset="-120"/>
+              </a:rPr>
+              <a:t>我  </a:t>
             </a:r>
             <a:endParaRPr lang="en-US" altLang="zh-TW" sz="5400" b="1" dirty="0">
               <a:latin typeface="微軟正黑體" pitchFamily="34" charset="-120"/>
@@ -3566,11 +3709,25 @@
               <a:buNone/>
             </a:pPr>
             <a:r>
+              <a:rPr lang="zh-CN" altLang="en-US" sz="5400" b="1" dirty="0">
+                <a:latin typeface="微軟正黑體" pitchFamily="34" charset="-120"/>
+                <a:ea typeface="微軟正黑體" pitchFamily="34" charset="-120"/>
+              </a:rPr>
+              <a:t>袮</a:t>
+            </a:r>
+            <a:r>
+              <a:rPr lang="zh-TW" altLang="en-US" sz="5400" b="1" dirty="0" smtClean="0">
+                <a:latin typeface="微軟正黑體" pitchFamily="34" charset="-120"/>
+                <a:ea typeface="微軟正黑體" pitchFamily="34" charset="-120"/>
+              </a:rPr>
+              <a:t>真</a:t>
+            </a:r>
+            <a:r>
               <a:rPr lang="zh-TW" altLang="en-US" sz="5400" b="1" dirty="0">
                 <a:latin typeface="微軟正黑體" pitchFamily="34" charset="-120"/>
                 <a:ea typeface="微軟正黑體" pitchFamily="34" charset="-120"/>
               </a:rPr>
-              <a:t>你真的好愛我</a:t>
+              <a:t>的好愛我</a:t>
             </a:r>
             <a:endParaRPr lang="en-US" altLang="zh-TW" sz="5400" b="1" dirty="0">
               <a:latin typeface="微軟正黑體" pitchFamily="34" charset="-120"/>
@@ -3582,11 +3739,25 @@
               <a:buNone/>
             </a:pPr>
             <a:r>
+              <a:rPr lang="zh-CN" altLang="en-US" sz="5400" b="1" dirty="0">
+                <a:latin typeface="微軟正黑體" pitchFamily="34" charset="-120"/>
+                <a:ea typeface="微軟正黑體" pitchFamily="34" charset="-120"/>
+              </a:rPr>
+              <a:t>袮</a:t>
+            </a:r>
+            <a:r>
+              <a:rPr lang="zh-TW" altLang="en-US" sz="5400" b="1" dirty="0" smtClean="0">
+                <a:latin typeface="微軟正黑體" pitchFamily="34" charset="-120"/>
+                <a:ea typeface="微軟正黑體" pitchFamily="34" charset="-120"/>
+              </a:rPr>
+              <a:t>好</a:t>
+            </a:r>
+            <a:r>
               <a:rPr lang="zh-TW" altLang="en-US" sz="5400" b="1" dirty="0">
                 <a:latin typeface="微軟正黑體" pitchFamily="34" charset="-120"/>
                 <a:ea typeface="微軟正黑體" pitchFamily="34" charset="-120"/>
               </a:rPr>
-              <a:t>你好愛我</a:t>
+              <a:t>愛我</a:t>
             </a:r>
           </a:p>
         </p:txBody>
